--- a/KM/todo/2019_system.pptx
+++ b/KM/todo/2019_system.pptx
@@ -5,16 +5,17 @@
     <p:sldMasterId id="2147483648" r:id="rId1"/>
   </p:sldMasterIdLst>
   <p:notesMasterIdLst>
-    <p:notesMasterId r:id="rId6"/>
+    <p:notesMasterId r:id="rId7"/>
   </p:notesMasterIdLst>
   <p:handoutMasterIdLst>
-    <p:handoutMasterId r:id="rId7"/>
+    <p:handoutMasterId r:id="rId8"/>
   </p:handoutMasterIdLst>
   <p:sldIdLst>
     <p:sldId id="273" r:id="rId2"/>
     <p:sldId id="274" r:id="rId3"/>
     <p:sldId id="275" r:id="rId4"/>
-    <p:sldId id="277" r:id="rId5"/>
+    <p:sldId id="278" r:id="rId5"/>
+    <p:sldId id="277" r:id="rId6"/>
   </p:sldIdLst>
   <p:sldSz cx="9144000" cy="5143500" type="screen16x9"/>
   <p:notesSz cx="6858000" cy="9144000"/>
@@ -199,7 +200,7 @@
             <a:fld id="{5F920F0F-0E56-2B45-B1BF-268524318682}" type="datetimeFigureOut">
               <a:rPr kumimoji="1" lang="zh-CN" altLang="en-US" smtClean="0"/>
               <a:pPr/>
-              <a:t>2019/12/18</a:t>
+              <a:t>2019/12/21</a:t>
             </a:fld>
             <a:endParaRPr kumimoji="1" lang="zh-CN" altLang="en-US"/>
           </a:p>
@@ -275,7 +276,7 @@
     </p:spTree>
     <p:extLst>
       <p:ext uri="{BB962C8B-B14F-4D97-AF65-F5344CB8AC3E}">
-        <p14:creationId xmlns="" xmlns:p14="http://schemas.microsoft.com/office/powerpoint/2010/main" val="3407571201"/>
+        <p14:creationId xmlns:p14="http://schemas.microsoft.com/office/powerpoint/2010/main" xmlns="" val="3407571201"/>
       </p:ext>
     </p:extLst>
   </p:cSld>
@@ -367,7 +368,7 @@
             <a:fld id="{FB86081A-1E41-D34E-AC33-11FD77CCCD8D}" type="datetimeFigureOut">
               <a:rPr kumimoji="1" lang="zh-CN" altLang="en-US" smtClean="0"/>
               <a:pPr/>
-              <a:t>2019/12/18</a:t>
+              <a:t>2019/12/21</a:t>
             </a:fld>
             <a:endParaRPr kumimoji="1" lang="zh-CN" altLang="en-US"/>
           </a:p>
@@ -536,7 +537,7 @@
     </p:spTree>
     <p:extLst>
       <p:ext uri="{BB962C8B-B14F-4D97-AF65-F5344CB8AC3E}">
-        <p14:creationId xmlns="" xmlns:p14="http://schemas.microsoft.com/office/powerpoint/2010/main" val="2106316760"/>
+        <p14:creationId xmlns:p14="http://schemas.microsoft.com/office/powerpoint/2010/main" xmlns="" val="2106316760"/>
       </p:ext>
     </p:extLst>
   </p:cSld>
@@ -684,12 +685,12 @@
           <a:lstStyle/>
           <a:p>
             <a:r>
-              <a:rPr lang="en-US" smtClean="0">
+              <a:rPr lang="en-US" dirty="0" smtClean="0">
                 <a:hlinkClick r:id="rId3"/>
               </a:rPr>
               <a:t>http://17de.com/library/CPP/ls20.htm</a:t>
             </a:r>
-            <a:endParaRPr lang="en-US" smtClean="0">
+            <a:endParaRPr lang="en-US" dirty="0" smtClean="0">
               <a:hlinkClick r:id="rId4"/>
             </a:endParaRPr>
           </a:p>
@@ -709,7 +710,13 @@
               <a:rPr lang="en-US" dirty="0" smtClean="0">
                 <a:hlinkClick r:id="rId5"/>
               </a:rPr>
-              <a:t>https://www.zhihu.com/question/26091467</a:t>
+              <a:t>https://</a:t>
+            </a:r>
+            <a:r>
+              <a:rPr lang="en-US" dirty="0" smtClean="0">
+                <a:hlinkClick r:id="rId5"/>
+              </a:rPr>
+              <a:t>www.zhihu.com/question/26091467</a:t>
             </a:r>
             <a:endParaRPr lang="en-US" dirty="0" smtClean="0"/>
           </a:p>
@@ -718,7 +725,7 @@
               <a:rPr lang="en-US" dirty="0" smtClean="0">
                 <a:hlinkClick r:id="rId6"/>
               </a:rPr>
-              <a:t>https://baptiste-wicht.com/posts/2012/12/cpp-benchmark-vector-list-deque.html</a:t>
+              <a:t>https://sophia0130.github.io/2018/10/19/C-%E5%AD%A6%E4%B9%A0%EF%BC%9A%E5%86%85%E5%AD%98%E7%AE%A1%E7%90%86/</a:t>
             </a:r>
             <a:endParaRPr lang="en-US" dirty="0" smtClean="0"/>
           </a:p>
@@ -726,6 +733,15 @@
             <a:r>
               <a:rPr lang="en-US" dirty="0" smtClean="0">
                 <a:hlinkClick r:id="rId7"/>
+              </a:rPr>
+              <a:t>https://baptiste-wicht.com/posts/2012/12/cpp-benchmark-vector-list-deque.html</a:t>
+            </a:r>
+            <a:endParaRPr lang="en-US" dirty="0" smtClean="0"/>
+          </a:p>
+          <a:p>
+            <a:r>
+              <a:rPr lang="en-US" dirty="0" smtClean="0">
+                <a:hlinkClick r:id="rId8"/>
               </a:rPr>
               <a:t>http://luodw.cc/2015/10/27/STL-vec/</a:t>
             </a:r>
@@ -752,6 +768,94 @@
               <a:rPr kumimoji="1" lang="zh-CN" altLang="en-US" smtClean="0"/>
               <a:pPr/>
               <a:t>2</a:t>
+            </a:fld>
+            <a:endParaRPr kumimoji="1" lang="zh-CN" altLang="en-US"/>
+          </a:p>
+        </p:txBody>
+      </p:sp>
+    </p:spTree>
+  </p:cSld>
+  <p:clrMapOvr>
+    <a:masterClrMapping/>
+  </p:clrMapOvr>
+</p:notes>
+</file>
+
+<file path=ppt/notesSlides/notesSlide2.xml><?xml version="1.0" encoding="utf-8"?>
+<p:notes xmlns:a="http://schemas.openxmlformats.org/drawingml/2006/main" xmlns:r="http://schemas.openxmlformats.org/officeDocument/2006/relationships" xmlns:p="http://schemas.openxmlformats.org/presentationml/2006/main">
+  <p:cSld>
+    <p:spTree>
+      <p:nvGrpSpPr>
+        <p:cNvPr id="1" name=""/>
+        <p:cNvGrpSpPr/>
+        <p:nvPr/>
+      </p:nvGrpSpPr>
+      <p:grpSpPr>
+        <a:xfrm>
+          <a:off x="0" y="0"/>
+          <a:ext cx="0" cy="0"/>
+          <a:chOff x="0" y="0"/>
+          <a:chExt cx="0" cy="0"/>
+        </a:xfrm>
+      </p:grpSpPr>
+      <p:sp>
+        <p:nvSpPr>
+          <p:cNvPr id="2" name="幻灯片图像占位符 1"/>
+          <p:cNvSpPr>
+            <a:spLocks noGrp="1" noRot="1" noChangeAspect="1"/>
+          </p:cNvSpPr>
+          <p:nvPr>
+            <p:ph type="sldImg"/>
+          </p:nvPr>
+        </p:nvSpPr>
+        <p:spPr/>
+      </p:sp>
+      <p:sp>
+        <p:nvSpPr>
+          <p:cNvPr id="3" name="备注占位符 2"/>
+          <p:cNvSpPr>
+            <a:spLocks noGrp="1"/>
+          </p:cNvSpPr>
+          <p:nvPr>
+            <p:ph type="body" idx="1"/>
+          </p:nvPr>
+        </p:nvSpPr>
+        <p:spPr/>
+        <p:txBody>
+          <a:bodyPr>
+            <a:normAutofit/>
+          </a:bodyPr>
+          <a:lstStyle/>
+          <a:p>
+            <a:r>
+              <a:rPr lang="en-US" dirty="0" smtClean="0">
+                <a:hlinkClick r:id="rId3"/>
+              </a:rPr>
+              <a:t>https://murphypei.github.io/blog/2019/01/linux-heap</a:t>
+            </a:r>
+            <a:endParaRPr lang="zh-CN" altLang="en-US" dirty="0"/>
+          </a:p>
+        </p:txBody>
+      </p:sp>
+      <p:sp>
+        <p:nvSpPr>
+          <p:cNvPr id="4" name="灯片编号占位符 3"/>
+          <p:cNvSpPr>
+            <a:spLocks noGrp="1"/>
+          </p:cNvSpPr>
+          <p:nvPr>
+            <p:ph type="sldNum" sz="quarter" idx="10"/>
+          </p:nvPr>
+        </p:nvSpPr>
+        <p:spPr/>
+        <p:txBody>
+          <a:bodyPr/>
+          <a:lstStyle/>
+          <a:p>
+            <a:fld id="{8AF453D5-9B32-8F40-BF12-CF5772967439}" type="slidenum">
+              <a:rPr kumimoji="1" lang="zh-CN" altLang="en-US" smtClean="0"/>
+              <a:pPr/>
+              <a:t>3</a:t>
             </a:fld>
             <a:endParaRPr kumimoji="1" lang="zh-CN" altLang="en-US"/>
           </a:p>
@@ -794,7 +898,7 @@
           <a:blip r:embed="rId2">
             <a:extLst>
               <a:ext uri="{28A0092B-C50C-407E-A947-70E740481C1C}">
-                <a14:useLocalDpi xmlns="" xmlns:a14="http://schemas.microsoft.com/office/drawing/2010/main" val="0"/>
+                <a14:useLocalDpi xmlns:a14="http://schemas.microsoft.com/office/drawing/2010/main" xmlns="" val="0"/>
               </a:ext>
             </a:extLst>
           </a:blip>
@@ -1083,7 +1187,7 @@
           <a:blip r:embed="rId3">
             <a:extLst>
               <a:ext uri="{28A0092B-C50C-407E-A947-70E740481C1C}">
-                <a14:useLocalDpi xmlns="" xmlns:a14="http://schemas.microsoft.com/office/drawing/2010/main" val="0"/>
+                <a14:useLocalDpi xmlns:a14="http://schemas.microsoft.com/office/drawing/2010/main" xmlns="" val="0"/>
               </a:ext>
             </a:extLst>
           </a:blip>
@@ -1379,7 +1483,7 @@
           <a:blip r:embed="rId2">
             <a:extLst>
               <a:ext uri="{28A0092B-C50C-407E-A947-70E740481C1C}">
-                <a14:useLocalDpi xmlns="" xmlns:a14="http://schemas.microsoft.com/office/drawing/2010/main" val="0"/>
+                <a14:useLocalDpi xmlns:a14="http://schemas.microsoft.com/office/drawing/2010/main" xmlns="" val="0"/>
               </a:ext>
             </a:extLst>
           </a:blip>
@@ -1409,7 +1513,7 @@
           <a:blip r:embed="rId3">
             <a:extLst>
               <a:ext uri="{28A0092B-C50C-407E-A947-70E740481C1C}">
-                <a14:useLocalDpi xmlns="" xmlns:a14="http://schemas.microsoft.com/office/drawing/2010/main" val="0"/>
+                <a14:useLocalDpi xmlns:a14="http://schemas.microsoft.com/office/drawing/2010/main" xmlns="" val="0"/>
               </a:ext>
             </a:extLst>
           </a:blip>
@@ -1681,7 +1785,7 @@
           <a:blip r:embed="rId2">
             <a:extLst>
               <a:ext uri="{28A0092B-C50C-407E-A947-70E740481C1C}">
-                <a14:useLocalDpi xmlns="" xmlns:a14="http://schemas.microsoft.com/office/drawing/2010/main" val="0"/>
+                <a14:useLocalDpi xmlns:a14="http://schemas.microsoft.com/office/drawing/2010/main" xmlns="" val="0"/>
               </a:ext>
             </a:extLst>
           </a:blip>
@@ -1711,7 +1815,7 @@
           <a:blip r:embed="rId3">
             <a:extLst>
               <a:ext uri="{28A0092B-C50C-407E-A947-70E740481C1C}">
-                <a14:useLocalDpi xmlns="" xmlns:a14="http://schemas.microsoft.com/office/drawing/2010/main" val="0"/>
+                <a14:useLocalDpi xmlns:a14="http://schemas.microsoft.com/office/drawing/2010/main" xmlns="" val="0"/>
               </a:ext>
             </a:extLst>
           </a:blip>
@@ -2047,7 +2151,7 @@
           <a:blip r:embed="rId2">
             <a:extLst>
               <a:ext uri="{28A0092B-C50C-407E-A947-70E740481C1C}">
-                <a14:useLocalDpi xmlns="" xmlns:a14="http://schemas.microsoft.com/office/drawing/2010/main" val="0"/>
+                <a14:useLocalDpi xmlns:a14="http://schemas.microsoft.com/office/drawing/2010/main" xmlns="" val="0"/>
               </a:ext>
             </a:extLst>
           </a:blip>
@@ -2077,7 +2181,7 @@
           <a:blip r:embed="rId3">
             <a:extLst>
               <a:ext uri="{28A0092B-C50C-407E-A947-70E740481C1C}">
-                <a14:useLocalDpi xmlns="" xmlns:a14="http://schemas.microsoft.com/office/drawing/2010/main" val="0"/>
+                <a14:useLocalDpi xmlns:a14="http://schemas.microsoft.com/office/drawing/2010/main" xmlns="" val="0"/>
               </a:ext>
             </a:extLst>
           </a:blip>
@@ -2392,7 +2496,7 @@
           <a:blip r:embed="rId2">
             <a:extLst>
               <a:ext uri="{28A0092B-C50C-407E-A947-70E740481C1C}">
-                <a14:useLocalDpi xmlns="" xmlns:a14="http://schemas.microsoft.com/office/drawing/2010/main" val="0"/>
+                <a14:useLocalDpi xmlns:a14="http://schemas.microsoft.com/office/drawing/2010/main" xmlns="" val="0"/>
               </a:ext>
             </a:extLst>
           </a:blip>
@@ -2422,7 +2526,7 @@
           <a:blip r:embed="rId3">
             <a:extLst>
               <a:ext uri="{28A0092B-C50C-407E-A947-70E740481C1C}">
-                <a14:useLocalDpi xmlns="" xmlns:a14="http://schemas.microsoft.com/office/drawing/2010/main" val="0"/>
+                <a14:useLocalDpi xmlns:a14="http://schemas.microsoft.com/office/drawing/2010/main" xmlns="" val="0"/>
               </a:ext>
             </a:extLst>
           </a:blip>
@@ -2614,7 +2718,7 @@
             <a:fld id="{7BC3C6E0-25AE-8A44-A617-CADD813DE539}" type="datetime1">
               <a:rPr lang="zh-CN" altLang="en-US" smtClean="0"/>
               <a:pPr/>
-              <a:t>2019/12/18</a:t>
+              <a:t>2019/12/21</a:t>
             </a:fld>
             <a:endParaRPr lang="zh-CN" altLang="en-US" dirty="0"/>
           </a:p>
@@ -2838,7 +2942,7 @@
           <a:blip r:embed="rId2">
             <a:extLst>
               <a:ext uri="{28A0092B-C50C-407E-A947-70E740481C1C}">
-                <a14:useLocalDpi xmlns="" xmlns:a14="http://schemas.microsoft.com/office/drawing/2010/main" val="0"/>
+                <a14:useLocalDpi xmlns:a14="http://schemas.microsoft.com/office/drawing/2010/main" xmlns="" val="0"/>
               </a:ext>
             </a:extLst>
           </a:blip>
@@ -3024,7 +3128,7 @@
             <a:fld id="{B8DE94C4-0AC0-E74D-83DE-D1778C094258}" type="datetime1">
               <a:rPr lang="zh-CN" altLang="en-US" smtClean="0"/>
               <a:pPr/>
-              <a:t>2019/12/18</a:t>
+              <a:t>2019/12/21</a:t>
             </a:fld>
             <a:endParaRPr lang="zh-CN" altLang="en-US" dirty="0"/>
           </a:p>
@@ -3725,6 +3829,13 @@
           <a:bodyPr/>
           <a:lstStyle/>
           <a:p>
+            <a:pPr>
+              <a:buNone/>
+            </a:pPr>
+            <a:r>
+              <a:rPr dirty="0" smtClean="0"/>
+              <a:t>水晶塔：</a:t>
+            </a:r>
             <a:r>
               <a:rPr dirty="0" smtClean="0"/>
               <a:t>协程如何完成在不同线程之间切换</a:t>
@@ -3734,13 +3845,64 @@
               <a:t>(</a:t>
             </a:r>
             <a:r>
-              <a:rPr smtClean="0"/>
+              <a:rPr dirty="0" smtClean="0"/>
               <a:t>通讯</a:t>
             </a:r>
             <a:r>
-              <a:rPr lang="en-US" smtClean="0"/>
+              <a:rPr lang="en-US" dirty="0" smtClean="0"/>
               <a:t>)</a:t>
             </a:r>
+          </a:p>
+          <a:p>
+            <a:pPr>
+              <a:buNone/>
+            </a:pPr>
+            <a:endParaRPr lang="en-US" dirty="0" smtClean="0"/>
+          </a:p>
+          <a:p>
+            <a:pPr>
+              <a:buNone/>
+            </a:pPr>
+            <a:r>
+              <a:rPr dirty="0" smtClean="0"/>
+              <a:t>防御塔</a:t>
+            </a:r>
+            <a:r>
+              <a:rPr lang="en-US" dirty="0" smtClean="0"/>
+              <a:t>1 </a:t>
+            </a:r>
+            <a:r>
+              <a:rPr lang="en-US" altLang="zh-CN" dirty="0" smtClean="0"/>
+              <a:t>Golang</a:t>
+            </a:r>
+            <a:r>
+              <a:rPr dirty="0" smtClean="0"/>
+              <a:t>协程调</a:t>
+            </a:r>
+            <a:endParaRPr lang="en-US" dirty="0" smtClean="0"/>
+          </a:p>
+          <a:p>
+            <a:pPr>
+              <a:buNone/>
+            </a:pPr>
+            <a:r>
+              <a:rPr dirty="0" smtClean="0"/>
+              <a:t> 看</a:t>
+            </a:r>
+            <a:r>
+              <a:rPr lang="en-US" altLang="zh-CN" dirty="0" smtClean="0"/>
+              <a:t>golang</a:t>
+            </a:r>
+            <a:r>
+              <a:rPr dirty="0" smtClean="0"/>
+              <a:t>夜读</a:t>
+            </a:r>
+            <a:endParaRPr lang="en-US" dirty="0" smtClean="0"/>
+          </a:p>
+          <a:p>
+            <a:pPr>
+              <a:buNone/>
+            </a:pPr>
             <a:endParaRPr lang="en-US" altLang="zh-CN" dirty="0" smtClean="0"/>
           </a:p>
           <a:p>
@@ -3920,6 +4082,104 @@
 </file>
 
 <file path=ppt/slides/slide4.xml><?xml version="1.0" encoding="utf-8"?>
+<p:sld xmlns:a="http://schemas.openxmlformats.org/drawingml/2006/main" xmlns:r="http://schemas.openxmlformats.org/officeDocument/2006/relationships" xmlns:p="http://schemas.openxmlformats.org/presentationml/2006/main">
+  <p:cSld>
+    <p:spTree>
+      <p:nvGrpSpPr>
+        <p:cNvPr id="1" name=""/>
+        <p:cNvGrpSpPr/>
+        <p:nvPr/>
+      </p:nvGrpSpPr>
+      <p:grpSpPr>
+        <a:xfrm>
+          <a:off x="0" y="0"/>
+          <a:ext cx="0" cy="0"/>
+          <a:chOff x="0" y="0"/>
+          <a:chExt cx="0" cy="0"/>
+        </a:xfrm>
+      </p:grpSpPr>
+      <p:sp>
+        <p:nvSpPr>
+          <p:cNvPr id="2" name="内容占位符 1"/>
+          <p:cNvSpPr>
+            <a:spLocks noGrp="1"/>
+          </p:cNvSpPr>
+          <p:nvPr>
+            <p:ph idx="1"/>
+          </p:nvPr>
+        </p:nvSpPr>
+        <p:spPr/>
+        <p:txBody>
+          <a:bodyPr/>
+          <a:lstStyle/>
+          <a:p>
+            <a:r>
+              <a:rPr altLang="en-US" dirty="0" smtClean="0"/>
+              <a:t>阅读</a:t>
+            </a:r>
+            <a:r>
+              <a:rPr lang="en-US" b="1" dirty="0"/>
+              <a:t>Understanding </a:t>
+            </a:r>
+            <a:r>
+              <a:rPr lang="en-US" b="1" dirty="0" err="1"/>
+              <a:t>glibc</a:t>
+            </a:r>
+            <a:r>
+              <a:rPr lang="en-US" b="1" dirty="0"/>
+              <a:t> </a:t>
+            </a:r>
+            <a:r>
+              <a:rPr lang="en-US" b="1" dirty="0" err="1" smtClean="0"/>
+              <a:t>malloc</a:t>
+            </a:r>
+            <a:r>
+              <a:rPr lang="en-US" b="1" dirty="0" smtClean="0"/>
+              <a:t> </a:t>
+            </a:r>
+            <a:r>
+              <a:rPr lang="en-US" altLang="zh-CN" b="1" dirty="0" smtClean="0"/>
+              <a:t>ok</a:t>
+            </a:r>
+            <a:endParaRPr lang="en-US" b="1" dirty="0"/>
+          </a:p>
+          <a:p>
+            <a:endParaRPr lang="zh-CN" altLang="en-US" dirty="0"/>
+          </a:p>
+        </p:txBody>
+      </p:sp>
+      <p:sp>
+        <p:nvSpPr>
+          <p:cNvPr id="3" name="标题 2"/>
+          <p:cNvSpPr>
+            <a:spLocks noGrp="1"/>
+          </p:cNvSpPr>
+          <p:nvPr>
+            <p:ph type="title"/>
+          </p:nvPr>
+        </p:nvSpPr>
+        <p:spPr/>
+        <p:txBody>
+          <a:bodyPr/>
+          <a:lstStyle/>
+          <a:p>
+            <a:r>
+              <a:rPr lang="en-US" altLang="zh-CN" dirty="0" smtClean="0"/>
+              <a:t> memory</a:t>
+            </a:r>
+            <a:endParaRPr lang="zh-CN" altLang="en-US" dirty="0"/>
+          </a:p>
+        </p:txBody>
+      </p:sp>
+    </p:spTree>
+  </p:cSld>
+  <p:clrMapOvr>
+    <a:masterClrMapping/>
+  </p:clrMapOvr>
+</p:sld>
+</file>
+
+<file path=ppt/slides/slide5.xml><?xml version="1.0" encoding="utf-8"?>
 <p:sld xmlns:a="http://schemas.openxmlformats.org/drawingml/2006/main" xmlns:r="http://schemas.openxmlformats.org/officeDocument/2006/relationships" xmlns:p="http://schemas.openxmlformats.org/presentationml/2006/main">
   <p:cSld>
     <p:spTree>
@@ -4283,7 +4543,7 @@
   <a:extraClrSchemeLst/>
   <a:extLst>
     <a:ext uri="{05A4C25C-085E-4340-85A3-A5531E510DB2}">
-      <thm15:themeFamily xmlns:thm15="http://schemas.microsoft.com/office/thememl/2012/main" xmlns="" name="Office Theme" id="{62F939B6-93AF-4DB8-9C6B-D6C7DFDC589F}" vid="{4A3C46E8-61CC-4603-A589-7422A47A8E4A}"/>
+      <thm15:themeFamily xmlns="" xmlns:thm15="http://schemas.microsoft.com/office/thememl/2012/main" name="Office Theme" id="{62F939B6-93AF-4DB8-9C6B-D6C7DFDC589F}" vid="{4A3C46E8-61CC-4603-A589-7422A47A8E4A}"/>
     </a:ext>
   </a:extLst>
 </a:theme>
@@ -4544,7 +4804,7 @@
   <a:extraClrSchemeLst/>
   <a:extLst>
     <a:ext uri="{05A4C25C-085E-4340-85A3-A5531E510DB2}">
-      <thm15:themeFamily xmlns:thm15="http://schemas.microsoft.com/office/thememl/2012/main" xmlns="" name="Office Theme" id="{62F939B6-93AF-4DB8-9C6B-D6C7DFDC589F}" vid="{4A3C46E8-61CC-4603-A589-7422A47A8E4A}"/>
+      <thm15:themeFamily xmlns="" xmlns:thm15="http://schemas.microsoft.com/office/thememl/2012/main" name="Office Theme" id="{62F939B6-93AF-4DB8-9C6B-D6C7DFDC589F}" vid="{4A3C46E8-61CC-4603-A589-7422A47A8E4A}"/>
     </a:ext>
   </a:extLst>
 </a:theme>

--- a/KM/todo/2019_system.pptx
+++ b/KM/todo/2019_system.pptx
@@ -200,7 +200,7 @@
             <a:fld id="{5F920F0F-0E56-2B45-B1BF-268524318682}" type="datetimeFigureOut">
               <a:rPr kumimoji="1" lang="zh-CN" altLang="en-US" smtClean="0"/>
               <a:pPr/>
-              <a:t>2019/12/21</a:t>
+              <a:t>2019/12/31</a:t>
             </a:fld>
             <a:endParaRPr kumimoji="1" lang="zh-CN" altLang="en-US"/>
           </a:p>
@@ -276,7 +276,7 @@
     </p:spTree>
     <p:extLst>
       <p:ext uri="{BB962C8B-B14F-4D97-AF65-F5344CB8AC3E}">
-        <p14:creationId xmlns:p14="http://schemas.microsoft.com/office/powerpoint/2010/main" xmlns="" val="3407571201"/>
+        <p14:creationId xmlns="" xmlns:p14="http://schemas.microsoft.com/office/powerpoint/2010/main" val="3407571201"/>
       </p:ext>
     </p:extLst>
   </p:cSld>
@@ -368,7 +368,7 @@
             <a:fld id="{FB86081A-1E41-D34E-AC33-11FD77CCCD8D}" type="datetimeFigureOut">
               <a:rPr kumimoji="1" lang="zh-CN" altLang="en-US" smtClean="0"/>
               <a:pPr/>
-              <a:t>2019/12/21</a:t>
+              <a:t>2019/12/31</a:t>
             </a:fld>
             <a:endParaRPr kumimoji="1" lang="zh-CN" altLang="en-US"/>
           </a:p>
@@ -537,7 +537,7 @@
     </p:spTree>
     <p:extLst>
       <p:ext uri="{BB962C8B-B14F-4D97-AF65-F5344CB8AC3E}">
-        <p14:creationId xmlns:p14="http://schemas.microsoft.com/office/powerpoint/2010/main" xmlns="" val="2106316760"/>
+        <p14:creationId xmlns="" xmlns:p14="http://schemas.microsoft.com/office/powerpoint/2010/main" val="2106316760"/>
       </p:ext>
     </p:extLst>
   </p:cSld>
@@ -710,13 +710,7 @@
               <a:rPr lang="en-US" dirty="0" smtClean="0">
                 <a:hlinkClick r:id="rId5"/>
               </a:rPr>
-              <a:t>https://</a:t>
-            </a:r>
-            <a:r>
-              <a:rPr lang="en-US" dirty="0" smtClean="0">
-                <a:hlinkClick r:id="rId5"/>
-              </a:rPr>
-              <a:t>www.zhihu.com/question/26091467</a:t>
+              <a:t>https://www.zhihu.com/question/26091467</a:t>
             </a:r>
             <a:endParaRPr lang="en-US" dirty="0" smtClean="0"/>
           </a:p>
@@ -827,12 +821,6 @@
           </a:bodyPr>
           <a:lstStyle/>
           <a:p>
-            <a:r>
-              <a:rPr lang="en-US" dirty="0" smtClean="0">
-                <a:hlinkClick r:id="rId3"/>
-              </a:rPr>
-              <a:t>https://murphypei.github.io/blog/2019/01/linux-heap</a:t>
-            </a:r>
             <a:endParaRPr lang="zh-CN" altLang="en-US" dirty="0"/>
           </a:p>
         </p:txBody>
@@ -898,7 +886,7 @@
           <a:blip r:embed="rId2">
             <a:extLst>
               <a:ext uri="{28A0092B-C50C-407E-A947-70E740481C1C}">
-                <a14:useLocalDpi xmlns:a14="http://schemas.microsoft.com/office/drawing/2010/main" xmlns="" val="0"/>
+                <a14:useLocalDpi xmlns="" xmlns:a14="http://schemas.microsoft.com/office/drawing/2010/main" val="0"/>
               </a:ext>
             </a:extLst>
           </a:blip>
@@ -1187,7 +1175,7 @@
           <a:blip r:embed="rId3">
             <a:extLst>
               <a:ext uri="{28A0092B-C50C-407E-A947-70E740481C1C}">
-                <a14:useLocalDpi xmlns:a14="http://schemas.microsoft.com/office/drawing/2010/main" xmlns="" val="0"/>
+                <a14:useLocalDpi xmlns="" xmlns:a14="http://schemas.microsoft.com/office/drawing/2010/main" val="0"/>
               </a:ext>
             </a:extLst>
           </a:blip>
@@ -1483,7 +1471,7 @@
           <a:blip r:embed="rId2">
             <a:extLst>
               <a:ext uri="{28A0092B-C50C-407E-A947-70E740481C1C}">
-                <a14:useLocalDpi xmlns:a14="http://schemas.microsoft.com/office/drawing/2010/main" xmlns="" val="0"/>
+                <a14:useLocalDpi xmlns="" xmlns:a14="http://schemas.microsoft.com/office/drawing/2010/main" val="0"/>
               </a:ext>
             </a:extLst>
           </a:blip>
@@ -1513,7 +1501,7 @@
           <a:blip r:embed="rId3">
             <a:extLst>
               <a:ext uri="{28A0092B-C50C-407E-A947-70E740481C1C}">
-                <a14:useLocalDpi xmlns:a14="http://schemas.microsoft.com/office/drawing/2010/main" xmlns="" val="0"/>
+                <a14:useLocalDpi xmlns="" xmlns:a14="http://schemas.microsoft.com/office/drawing/2010/main" val="0"/>
               </a:ext>
             </a:extLst>
           </a:blip>
@@ -1785,7 +1773,7 @@
           <a:blip r:embed="rId2">
             <a:extLst>
               <a:ext uri="{28A0092B-C50C-407E-A947-70E740481C1C}">
-                <a14:useLocalDpi xmlns:a14="http://schemas.microsoft.com/office/drawing/2010/main" xmlns="" val="0"/>
+                <a14:useLocalDpi xmlns="" xmlns:a14="http://schemas.microsoft.com/office/drawing/2010/main" val="0"/>
               </a:ext>
             </a:extLst>
           </a:blip>
@@ -1815,7 +1803,7 @@
           <a:blip r:embed="rId3">
             <a:extLst>
               <a:ext uri="{28A0092B-C50C-407E-A947-70E740481C1C}">
-                <a14:useLocalDpi xmlns:a14="http://schemas.microsoft.com/office/drawing/2010/main" xmlns="" val="0"/>
+                <a14:useLocalDpi xmlns="" xmlns:a14="http://schemas.microsoft.com/office/drawing/2010/main" val="0"/>
               </a:ext>
             </a:extLst>
           </a:blip>
@@ -2151,7 +2139,7 @@
           <a:blip r:embed="rId2">
             <a:extLst>
               <a:ext uri="{28A0092B-C50C-407E-A947-70E740481C1C}">
-                <a14:useLocalDpi xmlns:a14="http://schemas.microsoft.com/office/drawing/2010/main" xmlns="" val="0"/>
+                <a14:useLocalDpi xmlns="" xmlns:a14="http://schemas.microsoft.com/office/drawing/2010/main" val="0"/>
               </a:ext>
             </a:extLst>
           </a:blip>
@@ -2181,7 +2169,7 @@
           <a:blip r:embed="rId3">
             <a:extLst>
               <a:ext uri="{28A0092B-C50C-407E-A947-70E740481C1C}">
-                <a14:useLocalDpi xmlns:a14="http://schemas.microsoft.com/office/drawing/2010/main" xmlns="" val="0"/>
+                <a14:useLocalDpi xmlns="" xmlns:a14="http://schemas.microsoft.com/office/drawing/2010/main" val="0"/>
               </a:ext>
             </a:extLst>
           </a:blip>
@@ -2496,7 +2484,7 @@
           <a:blip r:embed="rId2">
             <a:extLst>
               <a:ext uri="{28A0092B-C50C-407E-A947-70E740481C1C}">
-                <a14:useLocalDpi xmlns:a14="http://schemas.microsoft.com/office/drawing/2010/main" xmlns="" val="0"/>
+                <a14:useLocalDpi xmlns="" xmlns:a14="http://schemas.microsoft.com/office/drawing/2010/main" val="0"/>
               </a:ext>
             </a:extLst>
           </a:blip>
@@ -2526,7 +2514,7 @@
           <a:blip r:embed="rId3">
             <a:extLst>
               <a:ext uri="{28A0092B-C50C-407E-A947-70E740481C1C}">
-                <a14:useLocalDpi xmlns:a14="http://schemas.microsoft.com/office/drawing/2010/main" xmlns="" val="0"/>
+                <a14:useLocalDpi xmlns="" xmlns:a14="http://schemas.microsoft.com/office/drawing/2010/main" val="0"/>
               </a:ext>
             </a:extLst>
           </a:blip>
@@ -2718,7 +2706,7 @@
             <a:fld id="{7BC3C6E0-25AE-8A44-A617-CADD813DE539}" type="datetime1">
               <a:rPr lang="zh-CN" altLang="en-US" smtClean="0"/>
               <a:pPr/>
-              <a:t>2019/12/21</a:t>
+              <a:t>2019/12/31</a:t>
             </a:fld>
             <a:endParaRPr lang="zh-CN" altLang="en-US" dirty="0"/>
           </a:p>
@@ -2942,7 +2930,7 @@
           <a:blip r:embed="rId2">
             <a:extLst>
               <a:ext uri="{28A0092B-C50C-407E-A947-70E740481C1C}">
-                <a14:useLocalDpi xmlns:a14="http://schemas.microsoft.com/office/drawing/2010/main" xmlns="" val="0"/>
+                <a14:useLocalDpi xmlns="" xmlns:a14="http://schemas.microsoft.com/office/drawing/2010/main" val="0"/>
               </a:ext>
             </a:extLst>
           </a:blip>
@@ -3128,7 +3116,7 @@
             <a:fld id="{B8DE94C4-0AC0-E74D-83DE-D1778C094258}" type="datetime1">
               <a:rPr lang="zh-CN" altLang="en-US" smtClean="0"/>
               <a:pPr/>
-              <a:t>2019/12/21</a:t>
+              <a:t>2019/12/31</a:t>
             </a:fld>
             <a:endParaRPr lang="zh-CN" altLang="en-US" dirty="0"/>
           </a:p>
@@ -3834,11 +3822,7 @@
             </a:pPr>
             <a:r>
               <a:rPr dirty="0" smtClean="0"/>
-              <a:t>水晶塔：</a:t>
-            </a:r>
-            <a:r>
-              <a:rPr dirty="0" smtClean="0"/>
-              <a:t>协程如何完成在不同线程之间切换</a:t>
+              <a:t>水晶塔：协程如何完成在不同线程之间切换</a:t>
             </a:r>
             <a:r>
               <a:rPr lang="en-US" dirty="0" smtClean="0"/>
@@ -3933,8 +3917,16 @@
               <a:t> </a:t>
             </a:r>
             <a:r>
+              <a:rPr lang="en-US" altLang="zh-CN" sz="2000" dirty="0" smtClean="0"/>
+              <a:t>1 </a:t>
+            </a:r>
+            <a:r>
               <a:rPr lang="zh-CN" altLang="en-US" sz="2000" dirty="0" smtClean="0"/>
-              <a:t>如何利用多核</a:t>
+              <a:t>如何</a:t>
+            </a:r>
+            <a:r>
+              <a:rPr lang="zh-CN" altLang="en-US" sz="2000" dirty="0" smtClean="0"/>
+              <a:t>利用多核</a:t>
             </a:r>
             <a:endParaRPr lang="zh-CN" altLang="en-US" sz="2000" dirty="0"/>
           </a:p>
@@ -4100,56 +4092,6 @@
       </p:grpSpPr>
       <p:sp>
         <p:nvSpPr>
-          <p:cNvPr id="2" name="内容占位符 1"/>
-          <p:cNvSpPr>
-            <a:spLocks noGrp="1"/>
-          </p:cNvSpPr>
-          <p:nvPr>
-            <p:ph idx="1"/>
-          </p:nvPr>
-        </p:nvSpPr>
-        <p:spPr/>
-        <p:txBody>
-          <a:bodyPr/>
-          <a:lstStyle/>
-          <a:p>
-            <a:r>
-              <a:rPr altLang="en-US" dirty="0" smtClean="0"/>
-              <a:t>阅读</a:t>
-            </a:r>
-            <a:r>
-              <a:rPr lang="en-US" b="1" dirty="0"/>
-              <a:t>Understanding </a:t>
-            </a:r>
-            <a:r>
-              <a:rPr lang="en-US" b="1" dirty="0" err="1"/>
-              <a:t>glibc</a:t>
-            </a:r>
-            <a:r>
-              <a:rPr lang="en-US" b="1" dirty="0"/>
-              <a:t> </a:t>
-            </a:r>
-            <a:r>
-              <a:rPr lang="en-US" b="1" dirty="0" err="1" smtClean="0"/>
-              <a:t>malloc</a:t>
-            </a:r>
-            <a:r>
-              <a:rPr lang="en-US" b="1" dirty="0" smtClean="0"/>
-              <a:t> </a:t>
-            </a:r>
-            <a:r>
-              <a:rPr lang="en-US" altLang="zh-CN" b="1" dirty="0" smtClean="0"/>
-              <a:t>ok</a:t>
-            </a:r>
-            <a:endParaRPr lang="en-US" b="1" dirty="0"/>
-          </a:p>
-          <a:p>
-            <a:endParaRPr lang="zh-CN" altLang="en-US" dirty="0"/>
-          </a:p>
-        </p:txBody>
-      </p:sp>
-      <p:sp>
-        <p:nvSpPr>
           <p:cNvPr id="3" name="标题 2"/>
           <p:cNvSpPr>
             <a:spLocks noGrp="1"/>
@@ -4165,12 +4107,68 @@
           <a:p>
             <a:r>
               <a:rPr lang="en-US" altLang="zh-CN" dirty="0" smtClean="0"/>
-              <a:t> memory</a:t>
+              <a:t> </a:t>
+            </a:r>
+            <a:r>
+              <a:rPr lang="en-US" altLang="zh-CN" dirty="0" smtClean="0"/>
+              <a:t>2  memory</a:t>
             </a:r>
             <a:endParaRPr lang="zh-CN" altLang="en-US" dirty="0"/>
           </a:p>
         </p:txBody>
       </p:sp>
+      <p:sp>
+        <p:nvSpPr>
+          <p:cNvPr id="5" name="内容占位符 4"/>
+          <p:cNvSpPr>
+            <a:spLocks noGrp="1"/>
+          </p:cNvSpPr>
+          <p:nvPr>
+            <p:ph idx="1"/>
+          </p:nvPr>
+        </p:nvSpPr>
+        <p:spPr/>
+        <p:txBody>
+          <a:bodyPr/>
+          <a:lstStyle/>
+          <a:p>
+            <a:endParaRPr lang="zh-CN" altLang="en-US"/>
+          </a:p>
+        </p:txBody>
+      </p:sp>
+      <p:pic>
+        <p:nvPicPr>
+          <p:cNvPr id="1027" name="Picture 3"/>
+          <p:cNvPicPr>
+            <a:picLocks noChangeAspect="1" noChangeArrowheads="1"/>
+          </p:cNvPicPr>
+          <p:nvPr/>
+        </p:nvPicPr>
+        <p:blipFill>
+          <a:blip r:embed="rId3"/>
+          <a:srcRect/>
+          <a:stretch>
+            <a:fillRect/>
+          </a:stretch>
+        </p:blipFill>
+        <p:spPr bwMode="auto">
+          <a:xfrm>
+            <a:off x="214282" y="1428742"/>
+            <a:ext cx="8501090" cy="2105025"/>
+          </a:xfrm>
+          <a:prstGeom prst="rect">
+            <a:avLst/>
+          </a:prstGeom>
+          <a:noFill/>
+          <a:ln w="9525">
+            <a:noFill/>
+            <a:miter lim="800000"/>
+            <a:headEnd/>
+            <a:tailEnd/>
+          </a:ln>
+          <a:effectLst/>
+        </p:spPr>
+      </p:pic>
     </p:spTree>
   </p:cSld>
   <p:clrMapOvr>
@@ -4543,7 +4541,7 @@
   <a:extraClrSchemeLst/>
   <a:extLst>
     <a:ext uri="{05A4C25C-085E-4340-85A3-A5531E510DB2}">
-      <thm15:themeFamily xmlns="" xmlns:thm15="http://schemas.microsoft.com/office/thememl/2012/main" name="Office Theme" id="{62F939B6-93AF-4DB8-9C6B-D6C7DFDC589F}" vid="{4A3C46E8-61CC-4603-A589-7422A47A8E4A}"/>
+      <thm15:themeFamily xmlns:thm15="http://schemas.microsoft.com/office/thememl/2012/main" xmlns="" name="Office Theme" id="{62F939B6-93AF-4DB8-9C6B-D6C7DFDC589F}" vid="{4A3C46E8-61CC-4603-A589-7422A47A8E4A}"/>
     </a:ext>
   </a:extLst>
 </a:theme>
@@ -4804,7 +4802,7 @@
   <a:extraClrSchemeLst/>
   <a:extLst>
     <a:ext uri="{05A4C25C-085E-4340-85A3-A5531E510DB2}">
-      <thm15:themeFamily xmlns="" xmlns:thm15="http://schemas.microsoft.com/office/thememl/2012/main" name="Office Theme" id="{62F939B6-93AF-4DB8-9C6B-D6C7DFDC589F}" vid="{4A3C46E8-61CC-4603-A589-7422A47A8E4A}"/>
+      <thm15:themeFamily xmlns:thm15="http://schemas.microsoft.com/office/thememl/2012/main" xmlns="" name="Office Theme" id="{62F939B6-93AF-4DB8-9C6B-D6C7DFDC589F}" vid="{4A3C46E8-61CC-4603-A589-7422A47A8E4A}"/>
     </a:ext>
   </a:extLst>
 </a:theme>
